--- a/01-CourseIntroduction/01-CourseIntroduction.pptx
+++ b/01-CourseIntroduction/01-CourseIntroduction.pptx
@@ -138,7 +138,7 @@
 <file path=ppt/revisionInfo.xml><?xml version="1.0" encoding="utf-8"?>
 <p1510:revInfo xmlns:a="http://schemas.openxmlformats.org/drawingml/2006/main" xmlns:r="http://schemas.openxmlformats.org/officeDocument/2006/relationships" xmlns:p1510="http://schemas.microsoft.com/office/powerpoint/2015/10/main">
   <p1510:revLst>
-    <p1510:client id="{598E804E-1284-4E69-B93D-C5B9C305894D}" v="65" dt="2022-09-27T12:31:15.030"/>
+    <p1510:client id="{598E804E-1284-4E69-B93D-C5B9C305894D}" v="66" dt="2022-10-01T23:39:32.929"/>
   </p1510:revLst>
 </p1510:revInfo>
 </file>
@@ -148,7 +148,7 @@
   <pc:docChgLst>
     <pc:chgData name="Janusz Stal" userId="570fe9c4-9123-4bde-9755-2a9767a29a9c" providerId="ADAL" clId="{598E804E-1284-4E69-B93D-C5B9C305894D}"/>
     <pc:docChg chg="undo redo custSel addSld delSld modSld sldOrd">
-      <pc:chgData name="Janusz Stal" userId="570fe9c4-9123-4bde-9755-2a9767a29a9c" providerId="ADAL" clId="{598E804E-1284-4E69-B93D-C5B9C305894D}" dt="2022-09-27T12:38:01.069" v="3992" actId="5793"/>
+      <pc:chgData name="Janusz Stal" userId="570fe9c4-9123-4bde-9755-2a9767a29a9c" providerId="ADAL" clId="{598E804E-1284-4E69-B93D-C5B9C305894D}" dt="2022-10-19T18:28:53.755" v="3997" actId="20577"/>
       <pc:docMkLst>
         <pc:docMk/>
       </pc:docMkLst>
@@ -176,7 +176,7 @@
         </pc:spChg>
       </pc:sldChg>
       <pc:sldChg chg="modSp mod ord">
-        <pc:chgData name="Janusz Stal" userId="570fe9c4-9123-4bde-9755-2a9767a29a9c" providerId="ADAL" clId="{598E804E-1284-4E69-B93D-C5B9C305894D}" dt="2022-09-25T13:40:42.728" v="1245" actId="20577"/>
+        <pc:chgData name="Janusz Stal" userId="570fe9c4-9123-4bde-9755-2a9767a29a9c" providerId="ADAL" clId="{598E804E-1284-4E69-B93D-C5B9C305894D}" dt="2022-10-19T18:28:53.755" v="3997" actId="20577"/>
         <pc:sldMkLst>
           <pc:docMk/>
           <pc:sldMk cId="3207883656" sldId="291"/>
@@ -190,7 +190,7 @@
           </ac:spMkLst>
         </pc:spChg>
         <pc:spChg chg="mod">
-          <ac:chgData name="Janusz Stal" userId="570fe9c4-9123-4bde-9755-2a9767a29a9c" providerId="ADAL" clId="{598E804E-1284-4E69-B93D-C5B9C305894D}" dt="2022-09-25T12:56:06.010" v="812" actId="6549"/>
+          <ac:chgData name="Janusz Stal" userId="570fe9c4-9123-4bde-9755-2a9767a29a9c" providerId="ADAL" clId="{598E804E-1284-4E69-B93D-C5B9C305894D}" dt="2022-10-19T18:28:53.755" v="3997" actId="20577"/>
           <ac:spMkLst>
             <pc:docMk/>
             <pc:sldMk cId="3207883656" sldId="291"/>
@@ -242,6 +242,20 @@
             <ac:picMk id="1026" creationId="{6D15CC37-245E-4E9C-84D8-073C13904DBB}"/>
           </ac:picMkLst>
         </pc:picChg>
+      </pc:sldChg>
+      <pc:sldChg chg="add">
+        <pc:chgData name="Janusz Stal" userId="570fe9c4-9123-4bde-9755-2a9767a29a9c" providerId="ADAL" clId="{598E804E-1284-4E69-B93D-C5B9C305894D}" dt="2022-10-01T23:39:32.871" v="3994"/>
+        <pc:sldMkLst>
+          <pc:docMk/>
+          <pc:sldMk cId="30840440" sldId="299"/>
+        </pc:sldMkLst>
+      </pc:sldChg>
+      <pc:sldChg chg="del">
+        <pc:chgData name="Janusz Stal" userId="570fe9c4-9123-4bde-9755-2a9767a29a9c" providerId="ADAL" clId="{598E804E-1284-4E69-B93D-C5B9C305894D}" dt="2022-10-01T23:39:27.851" v="3993" actId="2696"/>
+        <pc:sldMkLst>
+          <pc:docMk/>
+          <pc:sldMk cId="747357802" sldId="299"/>
+        </pc:sldMkLst>
       </pc:sldChg>
       <pc:sldChg chg="delSp modSp mod ord modClrScheme chgLayout">
         <pc:chgData name="Janusz Stal" userId="570fe9c4-9123-4bde-9755-2a9767a29a9c" providerId="ADAL" clId="{598E804E-1284-4E69-B93D-C5B9C305894D}" dt="2022-09-27T12:38:01.069" v="3992" actId="5793"/>
@@ -729,6 +743,20 @@
           </ac:spMkLst>
         </pc:spChg>
       </pc:sldChg>
+      <pc:sldChg chg="del">
+        <pc:chgData name="Janusz Stal" userId="570fe9c4-9123-4bde-9755-2a9767a29a9c" providerId="ADAL" clId="{598E804E-1284-4E69-B93D-C5B9C305894D}" dt="2022-10-01T23:39:27.851" v="3993" actId="2696"/>
+        <pc:sldMkLst>
+          <pc:docMk/>
+          <pc:sldMk cId="1590286296" sldId="319"/>
+        </pc:sldMkLst>
+      </pc:sldChg>
+      <pc:sldChg chg="add">
+        <pc:chgData name="Janusz Stal" userId="570fe9c4-9123-4bde-9755-2a9767a29a9c" providerId="ADAL" clId="{598E804E-1284-4E69-B93D-C5B9C305894D}" dt="2022-10-01T23:39:32.871" v="3994"/>
+        <pc:sldMkLst>
+          <pc:docMk/>
+          <pc:sldMk cId="3984066826" sldId="319"/>
+        </pc:sldMkLst>
+      </pc:sldChg>
       <pc:sldChg chg="modSp new mod">
         <pc:chgData name="Janusz Stal" userId="570fe9c4-9123-4bde-9755-2a9767a29a9c" providerId="ADAL" clId="{598E804E-1284-4E69-B93D-C5B9C305894D}" dt="2022-09-25T13:55:37.776" v="1398" actId="20577"/>
         <pc:sldMkLst>
@@ -758,6 +786,20 @@
             <ac:spMk id="2" creationId="{005DE35A-36F4-48CE-5B82-D9ABD47366FC}"/>
           </ac:spMkLst>
         </pc:spChg>
+      </pc:sldChg>
+      <pc:sldChg chg="add">
+        <pc:chgData name="Janusz Stal" userId="570fe9c4-9123-4bde-9755-2a9767a29a9c" providerId="ADAL" clId="{598E804E-1284-4E69-B93D-C5B9C305894D}" dt="2022-10-01T23:39:32.871" v="3994"/>
+        <pc:sldMkLst>
+          <pc:docMk/>
+          <pc:sldMk cId="1982588859" sldId="321"/>
+        </pc:sldMkLst>
+      </pc:sldChg>
+      <pc:sldChg chg="del">
+        <pc:chgData name="Janusz Stal" userId="570fe9c4-9123-4bde-9755-2a9767a29a9c" providerId="ADAL" clId="{598E804E-1284-4E69-B93D-C5B9C305894D}" dt="2022-10-01T23:39:27.851" v="3993" actId="2696"/>
+        <pc:sldMkLst>
+          <pc:docMk/>
+          <pc:sldMk cId="2398293395" sldId="321"/>
+        </pc:sldMkLst>
       </pc:sldChg>
       <pc:sldChg chg="modSp new mod">
         <pc:chgData name="Janusz Stal" userId="570fe9c4-9123-4bde-9755-2a9767a29a9c" providerId="ADAL" clId="{598E804E-1284-4E69-B93D-C5B9C305894D}" dt="2022-09-25T15:48:15.216" v="3228" actId="20577"/>
@@ -829,6 +871,34 @@
           </ac:picMkLst>
         </pc:picChg>
       </pc:sldChg>
+      <pc:sldChg chg="del">
+        <pc:chgData name="Janusz Stal" userId="570fe9c4-9123-4bde-9755-2a9767a29a9c" providerId="ADAL" clId="{598E804E-1284-4E69-B93D-C5B9C305894D}" dt="2022-10-01T23:39:27.851" v="3993" actId="2696"/>
+        <pc:sldMkLst>
+          <pc:docMk/>
+          <pc:sldMk cId="2984047672" sldId="322"/>
+        </pc:sldMkLst>
+      </pc:sldChg>
+      <pc:sldChg chg="add">
+        <pc:chgData name="Janusz Stal" userId="570fe9c4-9123-4bde-9755-2a9767a29a9c" providerId="ADAL" clId="{598E804E-1284-4E69-B93D-C5B9C305894D}" dt="2022-10-01T23:39:32.871" v="3994"/>
+        <pc:sldMkLst>
+          <pc:docMk/>
+          <pc:sldMk cId="3316329553" sldId="322"/>
+        </pc:sldMkLst>
+      </pc:sldChg>
+      <pc:sldChg chg="del">
+        <pc:chgData name="Janusz Stal" userId="570fe9c4-9123-4bde-9755-2a9767a29a9c" providerId="ADAL" clId="{598E804E-1284-4E69-B93D-C5B9C305894D}" dt="2022-10-01T23:39:27.851" v="3993" actId="2696"/>
+        <pc:sldMkLst>
+          <pc:docMk/>
+          <pc:sldMk cId="396617581" sldId="323"/>
+        </pc:sldMkLst>
+      </pc:sldChg>
+      <pc:sldChg chg="add">
+        <pc:chgData name="Janusz Stal" userId="570fe9c4-9123-4bde-9755-2a9767a29a9c" providerId="ADAL" clId="{598E804E-1284-4E69-B93D-C5B9C305894D}" dt="2022-10-01T23:39:32.871" v="3994"/>
+        <pc:sldMkLst>
+          <pc:docMk/>
+          <pc:sldMk cId="2525688714" sldId="323"/>
+        </pc:sldMkLst>
+      </pc:sldChg>
       <pc:sldChg chg="modSp new mod">
         <pc:chgData name="Janusz Stal" userId="570fe9c4-9123-4bde-9755-2a9767a29a9c" providerId="ADAL" clId="{598E804E-1284-4E69-B93D-C5B9C305894D}" dt="2022-09-25T15:43:22.702" v="3128" actId="20577"/>
         <pc:sldMkLst>
@@ -851,6 +921,20 @@
             <ac:spMk id="4" creationId="{B33793D8-279A-E713-D0D8-3D969606C585}"/>
           </ac:spMkLst>
         </pc:spChg>
+      </pc:sldChg>
+      <pc:sldChg chg="add">
+        <pc:chgData name="Janusz Stal" userId="570fe9c4-9123-4bde-9755-2a9767a29a9c" providerId="ADAL" clId="{598E804E-1284-4E69-B93D-C5B9C305894D}" dt="2022-10-01T23:39:32.871" v="3994"/>
+        <pc:sldMkLst>
+          <pc:docMk/>
+          <pc:sldMk cId="1984034775" sldId="324"/>
+        </pc:sldMkLst>
+      </pc:sldChg>
+      <pc:sldChg chg="del">
+        <pc:chgData name="Janusz Stal" userId="570fe9c4-9123-4bde-9755-2a9767a29a9c" providerId="ADAL" clId="{598E804E-1284-4E69-B93D-C5B9C305894D}" dt="2022-10-01T23:39:27.851" v="3993" actId="2696"/>
+        <pc:sldMkLst>
+          <pc:docMk/>
+          <pc:sldMk cId="2588214991" sldId="324"/>
+        </pc:sldMkLst>
       </pc:sldChg>
       <pc:sldChg chg="modSp new mod">
         <pc:chgData name="Janusz Stal" userId="570fe9c4-9123-4bde-9755-2a9767a29a9c" providerId="ADAL" clId="{598E804E-1284-4E69-B93D-C5B9C305894D}" dt="2022-09-25T15:18:34.451" v="2887" actId="20577"/>
@@ -1072,7 +1156,7 @@
           <a:p>
             <a:fld id="{C106EF3D-C2A7-4690-80C8-C2473A856193}" type="datetimeFigureOut">
               <a:rPr lang="pl-PL" smtClean="0"/>
-              <a:t>27.09.2022</a:t>
+              <a:t>19.10.2022</a:t>
             </a:fld>
             <a:endParaRPr lang="pl-PL" dirty="0"/>
           </a:p>
@@ -1237,7 +1321,7 @@
           <a:p>
             <a:fld id="{85D68E81-03CD-43A1-B18B-BEB6B9439387}" type="datetimeFigureOut">
               <a:rPr lang="pl-PL" smtClean="0"/>
-              <a:t>27.09.2022</a:t>
+              <a:t>19.10.2022</a:t>
             </a:fld>
             <a:endParaRPr lang="pl-PL" dirty="0"/>
           </a:p>
@@ -1633,7 +1717,7 @@
           <a:p>
             <a:fld id="{F26B3061-B9B7-461F-AB67-5D66A3ABCDA5}" type="datetime1">
               <a:rPr lang="pl-PL" smtClean="0"/>
-              <a:t>27.09.2022</a:t>
+              <a:t>19.10.2022</a:t>
             </a:fld>
             <a:endParaRPr lang="pl-PL" dirty="0"/>
           </a:p>
@@ -1908,7 +1992,7 @@
           <a:p>
             <a:fld id="{A2ADAE54-1728-4B6D-BEF4-D2AEA4F8114E}" type="datetime1">
               <a:rPr lang="pl-PL" smtClean="0"/>
-              <a:t>27.09.2022</a:t>
+              <a:t>19.10.2022</a:t>
             </a:fld>
             <a:endParaRPr lang="pl-PL" dirty="0"/>
           </a:p>
@@ -2160,7 +2244,7 @@
           <a:p>
             <a:fld id="{919C3B4F-179D-44ED-90DF-E8739DC8608F}" type="datetime1">
               <a:rPr lang="pl-PL" smtClean="0"/>
-              <a:t>27.09.2022</a:t>
+              <a:t>19.10.2022</a:t>
             </a:fld>
             <a:endParaRPr lang="pl-PL" dirty="0"/>
           </a:p>
@@ -2328,7 +2412,7 @@
           <a:p>
             <a:fld id="{10A2297D-8C4B-4C5B-B66E-47E601842B03}" type="datetime1">
               <a:rPr lang="pl-PL" smtClean="0"/>
-              <a:t>27.09.2022</a:t>
+              <a:t>19.10.2022</a:t>
             </a:fld>
             <a:endParaRPr lang="pl-PL" dirty="0"/>
           </a:p>
@@ -2506,7 +2590,7 @@
           <a:p>
             <a:fld id="{94B42B50-113C-45E3-9231-B66C297B394E}" type="datetime1">
               <a:rPr lang="pl-PL" smtClean="0"/>
-              <a:t>27.09.2022</a:t>
+              <a:t>19.10.2022</a:t>
             </a:fld>
             <a:endParaRPr lang="pl-PL" dirty="0"/>
           </a:p>
@@ -2663,7 +2747,7 @@
           <a:p>
             <a:fld id="{9549FAE5-AB97-492F-ADAE-06E72624D9F3}" type="datetime1">
               <a:rPr lang="pl-PL" smtClean="0"/>
-              <a:t>27.09.2022</a:t>
+              <a:t>19.10.2022</a:t>
             </a:fld>
             <a:endParaRPr lang="pl-PL" dirty="0"/>
           </a:p>
@@ -2851,7 +2935,7 @@
           <a:p>
             <a:fld id="{9549FAE5-AB97-492F-ADAE-06E72624D9F3}" type="datetime1">
               <a:rPr lang="pl-PL" smtClean="0"/>
-              <a:t>27.09.2022</a:t>
+              <a:t>19.10.2022</a:t>
             </a:fld>
             <a:endParaRPr lang="pl-PL" dirty="0"/>
           </a:p>
@@ -3038,7 +3122,7 @@
           <a:p>
             <a:fld id="{9549FAE5-AB97-492F-ADAE-06E72624D9F3}" type="datetime1">
               <a:rPr lang="pl-PL" smtClean="0"/>
-              <a:t>27.09.2022</a:t>
+              <a:t>19.10.2022</a:t>
             </a:fld>
             <a:endParaRPr lang="pl-PL" dirty="0"/>
           </a:p>
@@ -3310,7 +3394,7 @@
           <a:p>
             <a:fld id="{ED0EDA0A-F020-4B01-AF63-E290248EFD6B}" type="datetime1">
               <a:rPr lang="pl-PL" smtClean="0"/>
-              <a:t>27.09.2022</a:t>
+              <a:t>19.10.2022</a:t>
             </a:fld>
             <a:endParaRPr lang="pl-PL" dirty="0"/>
           </a:p>
@@ -3566,7 +3650,7 @@
           <a:p>
             <a:fld id="{8B752FBA-2CC8-4F32-B36A-B6E16B4A5C14}" type="datetime1">
               <a:rPr lang="pl-PL" smtClean="0"/>
-              <a:t>27.09.2022</a:t>
+              <a:t>19.10.2022</a:t>
             </a:fld>
             <a:endParaRPr lang="pl-PL" dirty="0"/>
           </a:p>
@@ -3952,7 +4036,7 @@
           <a:p>
             <a:fld id="{3B7BA32A-B79B-42FE-906A-2593AD6A7FCC}" type="datetime1">
               <a:rPr lang="pl-PL" smtClean="0"/>
-              <a:t>27.09.2022</a:t>
+              <a:t>19.10.2022</a:t>
             </a:fld>
             <a:endParaRPr lang="pl-PL" dirty="0"/>
           </a:p>
@@ -4074,7 +4158,7 @@
           <a:p>
             <a:fld id="{3E28EDCB-CC2B-4C70-B921-DD5382BD4849}" type="datetime1">
               <a:rPr lang="pl-PL" smtClean="0"/>
-              <a:t>27.09.2022</a:t>
+              <a:t>19.10.2022</a:t>
             </a:fld>
             <a:endParaRPr lang="pl-PL" dirty="0"/>
           </a:p>
@@ -4169,7 +4253,7 @@
           <a:p>
             <a:fld id="{E960CF9B-2F8C-4614-93FE-75BD5748BF99}" type="datetime1">
               <a:rPr lang="pl-PL" smtClean="0"/>
-              <a:t>27.09.2022</a:t>
+              <a:t>19.10.2022</a:t>
             </a:fld>
             <a:endParaRPr lang="pl-PL" dirty="0"/>
           </a:p>
@@ -4385,7 +4469,7 @@
           <a:p>
             <a:fld id="{8F276EAB-4011-4C81-ACEC-B79731A9A244}" type="datetime1">
               <a:rPr lang="pl-PL" smtClean="0"/>
-              <a:t>27.09.2022</a:t>
+              <a:t>19.10.2022</a:t>
             </a:fld>
             <a:endParaRPr lang="pl-PL" dirty="0"/>
           </a:p>
@@ -5788,7 +5872,7 @@
     </p:spTree>
     <p:extLst>
       <p:ext uri="{BB962C8B-B14F-4D97-AF65-F5344CB8AC3E}">
-        <p14:creationId xmlns:p14="http://schemas.microsoft.com/office/powerpoint/2010/main" val="3992666025"/>
+        <p14:creationId xmlns:p14="http://schemas.microsoft.com/office/powerpoint/2010/main" val="3984066826"/>
       </p:ext>
     </p:extLst>
   </p:cSld>
@@ -6213,7 +6297,7 @@
     </p:spTree>
     <p:extLst>
       <p:ext uri="{BB962C8B-B14F-4D97-AF65-F5344CB8AC3E}">
-        <p14:creationId xmlns:p14="http://schemas.microsoft.com/office/powerpoint/2010/main" val="1394196248"/>
+        <p14:creationId xmlns:p14="http://schemas.microsoft.com/office/powerpoint/2010/main" val="3316329553"/>
       </p:ext>
     </p:extLst>
   </p:cSld>
@@ -6417,7 +6501,7 @@
     </p:spTree>
     <p:extLst>
       <p:ext uri="{BB962C8B-B14F-4D97-AF65-F5344CB8AC3E}">
-        <p14:creationId xmlns:p14="http://schemas.microsoft.com/office/powerpoint/2010/main" val="3501920987"/>
+        <p14:creationId xmlns:p14="http://schemas.microsoft.com/office/powerpoint/2010/main" val="30840440"/>
       </p:ext>
     </p:extLst>
   </p:cSld>
@@ -6678,7 +6762,7 @@
     </p:spTree>
     <p:extLst>
       <p:ext uri="{BB962C8B-B14F-4D97-AF65-F5344CB8AC3E}">
-        <p14:creationId xmlns:p14="http://schemas.microsoft.com/office/powerpoint/2010/main" val="3510336701"/>
+        <p14:creationId xmlns:p14="http://schemas.microsoft.com/office/powerpoint/2010/main" val="2525688714"/>
       </p:ext>
     </p:extLst>
   </p:cSld>
@@ -7021,7 +7105,7 @@
     </p:spTree>
     <p:extLst>
       <p:ext uri="{BB962C8B-B14F-4D97-AF65-F5344CB8AC3E}">
-        <p14:creationId xmlns:p14="http://schemas.microsoft.com/office/powerpoint/2010/main" val="2826834150"/>
+        <p14:creationId xmlns:p14="http://schemas.microsoft.com/office/powerpoint/2010/main" val="1984034775"/>
       </p:ext>
     </p:extLst>
   </p:cSld>
@@ -7267,7 +7351,7 @@
     </p:spTree>
     <p:extLst>
       <p:ext uri="{BB962C8B-B14F-4D97-AF65-F5344CB8AC3E}">
-        <p14:creationId xmlns:p14="http://schemas.microsoft.com/office/powerpoint/2010/main" val="3833986214"/>
+        <p14:creationId xmlns:p14="http://schemas.microsoft.com/office/powerpoint/2010/main" val="1982588859"/>
       </p:ext>
     </p:extLst>
   </p:cSld>
